--- a/ServiceNow.pptx
+++ b/ServiceNow.pptx
@@ -2533,8 +2533,8 @@
     <dgm:cxn modelId="{53C0E91E-02B3-4972-AAAE-EAEA4793B4BF}" type="presOf" srcId="{2FCA1FC5-7C52-4687-A69B-04219EAFE638}" destId="{61B86461-A9C6-49DC-B797-8C2101417823}" srcOrd="0" destOrd="0" presId="urn:microsoft.com/office/officeart/2005/8/layout/hList1"/>
     <dgm:cxn modelId="{449ADD38-23BE-4A20-8BEE-9F55B0DF2EE7}" type="presOf" srcId="{D3648685-B7BE-4A16-ABF3-97FBA658FBFC}" destId="{E806AD89-CDA7-4BC6-BDEE-F12C27269A0F}" srcOrd="0" destOrd="0" presId="urn:microsoft.com/office/officeart/2005/8/layout/hList1"/>
     <dgm:cxn modelId="{FF293339-CACC-4749-92D9-C41AB887EBE2}" type="presOf" srcId="{87247FC9-695C-419E-A50E-63D45AB264B7}" destId="{14CB12F6-214A-4A84-B058-C5AEB44E04BE}" srcOrd="0" destOrd="0" presId="urn:microsoft.com/office/officeart/2005/8/layout/hList1"/>
+    <dgm:cxn modelId="{DCB3B143-854D-43BD-AB3F-6789B5D44FF4}" srcId="{322470FB-5F17-4F11-82D8-5B50C3339655}" destId="{87247FC9-695C-419E-A50E-63D45AB264B7}" srcOrd="0" destOrd="0" parTransId="{0A6C7157-5109-4818-A4F0-7DC0D3470412}" sibTransId="{FEEA7ECF-2FE0-4C32-8A19-172292F9C7C7}"/>
     <dgm:cxn modelId="{476C565D-7260-4CCA-BC8E-15E4669C3151}" srcId="{06A5195C-D6E4-4E46-A247-541F625DABC1}" destId="{322470FB-5F17-4F11-82D8-5B50C3339655}" srcOrd="0" destOrd="0" parTransId="{522F1C20-8FC4-447E-B463-176EC5A31B3F}" sibTransId="{81D9F5E9-2B00-462C-B8FE-590B125988D5}"/>
-    <dgm:cxn modelId="{DCB3B143-854D-43BD-AB3F-6789B5D44FF4}" srcId="{322470FB-5F17-4F11-82D8-5B50C3339655}" destId="{87247FC9-695C-419E-A50E-63D45AB264B7}" srcOrd="0" destOrd="0" parTransId="{0A6C7157-5109-4818-A4F0-7DC0D3470412}" sibTransId="{FEEA7ECF-2FE0-4C32-8A19-172292F9C7C7}"/>
     <dgm:cxn modelId="{8BFCF27D-20AC-43FD-A97E-82290395B993}" srcId="{06A5195C-D6E4-4E46-A247-541F625DABC1}" destId="{BB96CB6F-21D9-4873-A63F-2CCF71DEF281}" srcOrd="1" destOrd="0" parTransId="{3E4931BD-BAD1-4F8A-8735-FA3D371C0D6A}" sibTransId="{9789A6D4-CA40-4CBB-8760-B93D12D5D3E3}"/>
     <dgm:cxn modelId="{84633690-69F6-46F3-A16E-810D7D85CB98}" type="presOf" srcId="{06A5195C-D6E4-4E46-A247-541F625DABC1}" destId="{59770B21-C7AF-4812-A473-9E7EA782D3C5}" srcOrd="0" destOrd="0" presId="urn:microsoft.com/office/officeart/2005/8/layout/hList1"/>
     <dgm:cxn modelId="{059B4E97-FDE5-4D06-A894-568B637A327F}" srcId="{06A5195C-D6E4-4E46-A247-541F625DABC1}" destId="{7A193BA6-1CD8-4EB7-AE62-61FD7B3FAF9D}" srcOrd="2" destOrd="0" parTransId="{C186A1D8-947F-4B7C-A4BE-38762C2EF2B0}" sibTransId="{789EAF61-2145-402F-8BF9-D0677F479FEC}"/>
@@ -3286,8 +3286,8 @@
     <dgm:cxn modelId="{53C0E91E-02B3-4972-AAAE-EAEA4793B4BF}" type="presOf" srcId="{2FCA1FC5-7C52-4687-A69B-04219EAFE638}" destId="{61B86461-A9C6-49DC-B797-8C2101417823}" srcOrd="0" destOrd="0" presId="urn:microsoft.com/office/officeart/2005/8/layout/hList1"/>
     <dgm:cxn modelId="{449ADD38-23BE-4A20-8BEE-9F55B0DF2EE7}" type="presOf" srcId="{D3648685-B7BE-4A16-ABF3-97FBA658FBFC}" destId="{E806AD89-CDA7-4BC6-BDEE-F12C27269A0F}" srcOrd="0" destOrd="0" presId="urn:microsoft.com/office/officeart/2005/8/layout/hList1"/>
     <dgm:cxn modelId="{FF293339-CACC-4749-92D9-C41AB887EBE2}" type="presOf" srcId="{87247FC9-695C-419E-A50E-63D45AB264B7}" destId="{14CB12F6-214A-4A84-B058-C5AEB44E04BE}" srcOrd="0" destOrd="0" presId="urn:microsoft.com/office/officeart/2005/8/layout/hList1"/>
+    <dgm:cxn modelId="{DCB3B143-854D-43BD-AB3F-6789B5D44FF4}" srcId="{322470FB-5F17-4F11-82D8-5B50C3339655}" destId="{87247FC9-695C-419E-A50E-63D45AB264B7}" srcOrd="0" destOrd="0" parTransId="{0A6C7157-5109-4818-A4F0-7DC0D3470412}" sibTransId="{FEEA7ECF-2FE0-4C32-8A19-172292F9C7C7}"/>
     <dgm:cxn modelId="{476C565D-7260-4CCA-BC8E-15E4669C3151}" srcId="{06A5195C-D6E4-4E46-A247-541F625DABC1}" destId="{322470FB-5F17-4F11-82D8-5B50C3339655}" srcOrd="0" destOrd="0" parTransId="{522F1C20-8FC4-447E-B463-176EC5A31B3F}" sibTransId="{81D9F5E9-2B00-462C-B8FE-590B125988D5}"/>
-    <dgm:cxn modelId="{DCB3B143-854D-43BD-AB3F-6789B5D44FF4}" srcId="{322470FB-5F17-4F11-82D8-5B50C3339655}" destId="{87247FC9-695C-419E-A50E-63D45AB264B7}" srcOrd="0" destOrd="0" parTransId="{0A6C7157-5109-4818-A4F0-7DC0D3470412}" sibTransId="{FEEA7ECF-2FE0-4C32-8A19-172292F9C7C7}"/>
     <dgm:cxn modelId="{9435D26E-39C4-4DCA-B91F-D63D50BBD151}" srcId="{37B8B908-FFD5-4AE1-BFBB-85AE2EA39442}" destId="{D3C6A763-E009-4A85-944E-BE32DFCF0BF9}" srcOrd="1" destOrd="0" parTransId="{3F6F11AB-A593-479A-B97A-7B15514D2AF8}" sibTransId="{C6CBA671-3FED-43DD-B433-39246691560B}"/>
     <dgm:cxn modelId="{07542F78-DCC0-4BAF-B83B-CA2955FB07A0}" type="presOf" srcId="{D3C6A763-E009-4A85-944E-BE32DFCF0BF9}" destId="{E806AD89-CDA7-4BC6-BDEE-F12C27269A0F}" srcOrd="0" destOrd="1" presId="urn:microsoft.com/office/officeart/2005/8/layout/hList1"/>
     <dgm:cxn modelId="{8BFCF27D-20AC-43FD-A97E-82290395B993}" srcId="{06A5195C-D6E4-4E46-A247-541F625DABC1}" destId="{BB96CB6F-21D9-4873-A63F-2CCF71DEF281}" srcOrd="1" destOrd="0" parTransId="{3E4931BD-BAD1-4F8A-8735-FA3D371C0D6A}" sibTransId="{9789A6D4-CA40-4CBB-8760-B93D12D5D3E3}"/>
@@ -7511,7 +7511,7 @@
                 <a:latin typeface="Microsoft YaHei UI" panose="020B0503020204020204" pitchFamily="34" charset="-122"/>
                 <a:ea typeface="Microsoft YaHei UI" panose="020B0503020204020204" pitchFamily="34" charset="-122"/>
               </a:rPr>
-              <a:t>2020/6/26</a:t>
+              <a:t>2020/6/27</a:t>
             </a:fld>
             <a:endParaRPr lang="zh-CN" altLang="en-US" dirty="0">
               <a:latin typeface="Microsoft YaHei UI" panose="020B0503020204020204" pitchFamily="34" charset="-122"/>
@@ -7697,7 +7697,7 @@
           <a:p>
             <a:fld id="{A8013AE4-6C8E-4FED-AD6B-E44B98855F33}" type="datetime1">
               <a:rPr lang="zh-CN" altLang="en-US" noProof="0" smtClean="0"/>
-              <a:t>2020/6/26</a:t>
+              <a:t>2020/6/27</a:t>
             </a:fld>
             <a:endParaRPr lang="zh-CN" altLang="en-US" noProof="0" dirty="0"/>
           </a:p>
@@ -9267,7 +9267,7 @@
             <a:pPr rtl="0"/>
             <a:fld id="{E1B6BDC9-4AC4-4C38-82B4-A3E86AC43267}" type="datetime1">
               <a:rPr lang="zh-CN" altLang="en-US" noProof="0" smtClean="0"/>
-              <a:t>2020/6/26</a:t>
+              <a:t>2020/6/27</a:t>
             </a:fld>
             <a:endParaRPr lang="zh-CN" altLang="en-US" noProof="0" dirty="0"/>
           </a:p>
@@ -9466,7 +9466,7 @@
             <a:pPr rtl="0"/>
             <a:fld id="{4CE13234-94E8-41F0-AD64-7EFE3E1C3ABD}" type="datetime1">
               <a:rPr lang="zh-CN" altLang="en-US" noProof="0" smtClean="0"/>
-              <a:t>2020/6/26</a:t>
+              <a:t>2020/6/27</a:t>
             </a:fld>
             <a:endParaRPr lang="zh-CN" altLang="en-US" noProof="0" dirty="0"/>
           </a:p>
@@ -9672,7 +9672,7 @@
             <a:pPr rtl="0"/>
             <a:fld id="{D457A3A1-8AE1-445D-9811-77546F59E933}" type="datetime1">
               <a:rPr lang="zh-CN" altLang="en-US" noProof="0" smtClean="0"/>
-              <a:t>2020/6/26</a:t>
+              <a:t>2020/6/27</a:t>
             </a:fld>
             <a:endParaRPr lang="zh-CN" altLang="en-US" noProof="0" dirty="0"/>
           </a:p>
@@ -9969,7 +9969,7 @@
             <a:pPr rtl="0"/>
             <a:fld id="{8F7814DD-AB52-47B0-8E08-3F52BC30CD2E}" type="datetime1">
               <a:rPr lang="zh-CN" altLang="en-US" noProof="0" smtClean="0"/>
-              <a:t>2020/6/26</a:t>
+              <a:t>2020/6/27</a:t>
             </a:fld>
             <a:endParaRPr lang="zh-CN" altLang="en-US" noProof="0" dirty="0"/>
           </a:p>
@@ -10280,7 +10280,7 @@
             <a:pPr rtl="0"/>
             <a:fld id="{D9598158-81E2-467F-9E5E-EEFF8BE75256}" type="datetime1">
               <a:rPr lang="zh-CN" altLang="en-US" noProof="0" smtClean="0"/>
-              <a:t>2020/6/26</a:t>
+              <a:t>2020/6/27</a:t>
             </a:fld>
             <a:endParaRPr lang="zh-CN" altLang="en-US" noProof="0" dirty="0"/>
           </a:p>
@@ -10743,7 +10743,7 @@
             <a:pPr rtl="0"/>
             <a:fld id="{3EAEA002-E988-4EDF-8084-DD40FF06827C}" type="datetime1">
               <a:rPr lang="zh-CN" altLang="en-US" noProof="0" smtClean="0"/>
-              <a:t>2020/6/26</a:t>
+              <a:t>2020/6/27</a:t>
             </a:fld>
             <a:endParaRPr lang="zh-CN" altLang="en-US" noProof="0" dirty="0"/>
           </a:p>
@@ -10880,7 +10880,7 @@
             <a:pPr rtl="0"/>
             <a:fld id="{2C36C99F-D037-489D-8B20-BEFB4DE900E9}" type="datetime1">
               <a:rPr lang="zh-CN" altLang="en-US" noProof="0" smtClean="0"/>
-              <a:t>2020/6/26</a:t>
+              <a:t>2020/6/27</a:t>
             </a:fld>
             <a:endParaRPr lang="zh-CN" altLang="en-US" noProof="0" dirty="0"/>
           </a:p>
@@ -11023,7 +11023,7 @@
             <a:pPr rtl="0"/>
             <a:fld id="{0B84D042-4835-417E-8852-90762B1A1659}" type="datetime1">
               <a:rPr lang="zh-CN" altLang="en-US" noProof="0" smtClean="0"/>
-              <a:t>2020/6/26</a:t>
+              <a:t>2020/6/27</a:t>
             </a:fld>
             <a:endParaRPr lang="zh-CN" altLang="en-US" noProof="0" dirty="0"/>
           </a:p>
@@ -11338,7 +11338,7 @@
             <a:pPr rtl="0"/>
             <a:fld id="{B63D76D3-058D-4A5A-8D30-14FACD1EDE1C}" type="datetime1">
               <a:rPr lang="zh-CN" altLang="en-US" noProof="0" smtClean="0"/>
-              <a:t>2020/6/26</a:t>
+              <a:t>2020/6/27</a:t>
             </a:fld>
             <a:endParaRPr lang="zh-CN" altLang="en-US" noProof="0" dirty="0"/>
           </a:p>
@@ -11685,7 +11685,7 @@
             <a:pPr rtl="0"/>
             <a:fld id="{C6BDFB09-D55C-49B7-AC21-362DFB6BCE98}" type="datetime1">
               <a:rPr lang="zh-CN" altLang="en-US" noProof="0" smtClean="0"/>
-              <a:t>2020/6/26</a:t>
+              <a:t>2020/6/27</a:t>
             </a:fld>
             <a:endParaRPr lang="zh-CN" altLang="en-US" noProof="0" dirty="0"/>
           </a:p>
@@ -12062,7 +12062,7 @@
           <a:p>
             <a:fld id="{C2E270D1-79EB-4E79-BCED-42B1F6931828}" type="datetime1">
               <a:rPr lang="zh-CN" altLang="en-US" noProof="0" smtClean="0"/>
-              <a:t>2020/6/26</a:t>
+              <a:t>2020/6/27</a:t>
             </a:fld>
             <a:endParaRPr lang="zh-CN" altLang="en-US" noProof="0" dirty="0"/>
           </a:p>
@@ -14453,21 +14453,21 @@
                 <a:latin typeface="Meiryo" panose="020B0604030504040204" pitchFamily="34" charset="-128"/>
                 <a:ea typeface="Meiryo" panose="020B0604030504040204" pitchFamily="34" charset="-128"/>
               </a:rPr>
-              <a:t>：レコードを新規作成して</a:t>
+              <a:t>：レコードを</a:t>
             </a:r>
             <a:r>
-              <a:rPr lang="en-US" altLang="ja-JP" dirty="0">
+              <a:rPr lang="ja-JP" altLang="en-US">
                 <a:latin typeface="Meiryo" panose="020B0604030504040204" pitchFamily="34" charset="-128"/>
                 <a:ea typeface="Meiryo" panose="020B0604030504040204" pitchFamily="34" charset="-128"/>
               </a:rPr>
-              <a:t>Submit</a:t>
+              <a:t>新規作成（</a:t>
             </a:r>
             <a:r>
               <a:rPr lang="ja-JP" altLang="en-US" dirty="0">
                 <a:latin typeface="Meiryo" panose="020B0604030504040204" pitchFamily="34" charset="-128"/>
                 <a:ea typeface="Meiryo" panose="020B0604030504040204" pitchFamily="34" charset="-128"/>
               </a:rPr>
-              <a:t>（申請中になる）。</a:t>
+              <a:t>申請中になる）。</a:t>
             </a:r>
             <a:endParaRPr lang="en-US" altLang="ja-JP" dirty="0">
               <a:latin typeface="Meiryo" panose="020B0604030504040204" pitchFamily="34" charset="-128"/>
@@ -14751,16 +14751,12 @@
           <a:p>
             <a:pPr rtl="0"/>
             <a:r>
-              <a:rPr lang="ja-JP" altLang="en-US" dirty="0">
+              <a:rPr lang="zh-CN" altLang="en-US" dirty="0">
                 <a:latin typeface="Microsoft YaHei UI" panose="020B0503020204020204" pitchFamily="34" charset="-122"/>
                 <a:ea typeface="Microsoft YaHei UI" panose="020B0503020204020204" pitchFamily="34" charset="-122"/>
               </a:rPr>
-              <a:t>実践</a:t>
+              <a:t>概念</a:t>
             </a:r>
-            <a:endParaRPr lang="zh-CN" altLang="en-US" dirty="0">
-              <a:latin typeface="Microsoft YaHei UI" panose="020B0503020204020204" pitchFamily="34" charset="-122"/>
-              <a:ea typeface="Microsoft YaHei UI" panose="020B0503020204020204" pitchFamily="34" charset="-122"/>
-            </a:endParaRPr>
           </a:p>
         </p:txBody>
       </p:sp>
@@ -14785,9 +14781,45 @@
           <a:bodyPr/>
           <a:lstStyle/>
           <a:p>
+            <a:r>
+              <a:rPr lang="zh-CN" altLang="en-US" dirty="0"/>
+              <a:t>テーブルの引継</a:t>
+            </a:r>
             <a:endParaRPr lang="en-US" altLang="zh-CN" dirty="0"/>
           </a:p>
           <a:p>
+            <a:r>
+              <a:rPr lang="zh-CN" altLang="en-US" dirty="0"/>
+              <a:t>スコープ</a:t>
+            </a:r>
+            <a:endParaRPr lang="en-US" altLang="zh-CN" dirty="0"/>
+          </a:p>
+          <a:p>
+            <a:r>
+              <a:rPr lang="zh-CN" altLang="en-US" dirty="0"/>
+              <a:t>アプリケーション</a:t>
+            </a:r>
+            <a:endParaRPr lang="en-US" altLang="zh-CN" dirty="0"/>
+          </a:p>
+          <a:p>
+            <a:r>
+              <a:rPr lang="zh-CN" altLang="en-US" dirty="0"/>
+              <a:t>更新セット</a:t>
+            </a:r>
+            <a:endParaRPr lang="en-US" altLang="zh-CN" dirty="0"/>
+          </a:p>
+          <a:p>
+            <a:r>
+              <a:rPr lang="zh-CN" altLang="en-US" dirty="0"/>
+              <a:t>ロール</a:t>
+            </a:r>
+            <a:endParaRPr lang="en-US" altLang="zh-CN" dirty="0"/>
+          </a:p>
+          <a:p>
+            <a:r>
+              <a:rPr lang="zh-CN" altLang="en-US" dirty="0"/>
+              <a:t>ユーザ</a:t>
+            </a:r>
             <a:endParaRPr lang="en-US" altLang="zh-CN" dirty="0"/>
           </a:p>
         </p:txBody>
@@ -15602,6 +15634,26 @@
 </file>
 
 <file path=customXml/item1.xml><?xml version="1.0" encoding="utf-8"?>
+<?mso-contentType ?>
+<FormTemplates xmlns="http://schemas.microsoft.com/sharepoint/v3/contenttype/forms">
+  <Display>DocumentLibraryForm</Display>
+  <Edit>DocumentLibraryForm</Edit>
+  <New>DocumentLibraryForm</New>
+</FormTemplates>
+</file>
+
+<file path=customXml/item2.xml><?xml version="1.0" encoding="utf-8"?>
+<p:properties xmlns:p="http://schemas.microsoft.com/office/2006/metadata/properties" xmlns:xsi="http://www.w3.org/2001/XMLSchema-instance" xmlns:pc="http://schemas.microsoft.com/office/infopath/2007/PartnerControls">
+  <documentManagement>
+    <VSO_x0020_item_x0020_id xmlns="40262f94-9f35-4ac3-9a90-690165a166b7" xsi:nil="true"/>
+    <Assetid_x0020_ xmlns="40262f94-9f35-4ac3-9a90-690165a166b7" xsi:nil="true"/>
+    <Item_x0020_Details xmlns="40262f94-9f35-4ac3-9a90-690165a166b7" xsi:nil="true"/>
+    <Template_x0020_details xmlns="40262f94-9f35-4ac3-9a90-690165a166b7" xsi:nil="true"/>
+  </documentManagement>
+</p:properties>
+</file>
+
+<file path=customXml/item3.xml><?xml version="1.0" encoding="utf-8"?>
 <ct:contentTypeSchema xmlns:ct="http://schemas.microsoft.com/office/2006/metadata/contentType" xmlns:ma="http://schemas.microsoft.com/office/2006/metadata/properties/metaAttributes" ct:_="" ma:_="" ma:contentTypeName="Document" ma:contentTypeID="0x010100AA3F7D94069FF64A86F7DFF56D60E3BE" ma:contentTypeVersion="6" ma:contentTypeDescription="Create a new document." ma:contentTypeScope="" ma:versionID="c32302c77d4085ecf495bdddb7f5e889">
   <xsd:schema xmlns:xsd="http://www.w3.org/2001/XMLSchema" xmlns:xs="http://www.w3.org/2001/XMLSchema" xmlns:p="http://schemas.microsoft.com/office/2006/metadata/properties" xmlns:ns2="a4f35948-e619-41b3-aa29-22878b09cfd2" xmlns:ns3="40262f94-9f35-4ac3-9a90-690165a166b7" targetNamespace="http://schemas.microsoft.com/office/2006/metadata/properties" ma:root="true" ma:fieldsID="4ab5ae46be95f9d0be6107e8200be7a2" ns2:_="" ns3:_="">
     <xsd:import namespace="a4f35948-e619-41b3-aa29-22878b09cfd2"/>
@@ -15782,41 +15834,10 @@
 </ct:contentTypeSchema>
 </file>
 
-<file path=customXml/item2.xml><?xml version="1.0" encoding="utf-8"?>
-<p:properties xmlns:p="http://schemas.microsoft.com/office/2006/metadata/properties" xmlns:xsi="http://www.w3.org/2001/XMLSchema-instance" xmlns:pc="http://schemas.microsoft.com/office/infopath/2007/PartnerControls">
-  <documentManagement>
-    <VSO_x0020_item_x0020_id xmlns="40262f94-9f35-4ac3-9a90-690165a166b7" xsi:nil="true"/>
-    <Assetid_x0020_ xmlns="40262f94-9f35-4ac3-9a90-690165a166b7" xsi:nil="true"/>
-    <Item_x0020_Details xmlns="40262f94-9f35-4ac3-9a90-690165a166b7" xsi:nil="true"/>
-    <Template_x0020_details xmlns="40262f94-9f35-4ac3-9a90-690165a166b7" xsi:nil="true"/>
-  </documentManagement>
-</p:properties>
-</file>
-
-<file path=customXml/item3.xml><?xml version="1.0" encoding="utf-8"?>
-<?mso-contentType ?>
-<FormTemplates xmlns="http://schemas.microsoft.com/sharepoint/v3/contenttype/forms">
-  <Display>DocumentLibraryForm</Display>
-  <Edit>DocumentLibraryForm</Edit>
-  <New>DocumentLibraryForm</New>
-</FormTemplates>
-</file>
-
 <file path=customXml/itemProps1.xml><?xml version="1.0" encoding="utf-8"?>
-<ds:datastoreItem xmlns:ds="http://schemas.openxmlformats.org/officeDocument/2006/customXml" ds:itemID="{E6A2223A-9182-462D-922F-5606A5A90760}">
+<ds:datastoreItem xmlns:ds="http://schemas.openxmlformats.org/officeDocument/2006/customXml" ds:itemID="{2B6DE00F-F2BC-4082-AB87-D0D78777DE1E}">
   <ds:schemaRefs>
-    <ds:schemaRef ds:uri="http://schemas.microsoft.com/office/2006/metadata/contentType"/>
-    <ds:schemaRef ds:uri="http://schemas.microsoft.com/office/2006/metadata/properties/metaAttributes"/>
-    <ds:schemaRef ds:uri="http://www.w3.org/2001/XMLSchema"/>
-    <ds:schemaRef ds:uri="http://schemas.microsoft.com/office/2006/metadata/properties"/>
-    <ds:schemaRef ds:uri="a4f35948-e619-41b3-aa29-22878b09cfd2"/>
-    <ds:schemaRef ds:uri="40262f94-9f35-4ac3-9a90-690165a166b7"/>
-    <ds:schemaRef ds:uri="http://schemas.microsoft.com/office/2006/documentManagement/types"/>
-    <ds:schemaRef ds:uri="http://schemas.microsoft.com/office/infopath/2007/PartnerControls"/>
-    <ds:schemaRef ds:uri="http://schemas.openxmlformats.org/package/2006/metadata/core-properties"/>
-    <ds:schemaRef ds:uri="http://purl.org/dc/elements/1.1/"/>
-    <ds:schemaRef ds:uri="http://purl.org/dc/terms/"/>
-    <ds:schemaRef ds:uri="http://schemas.microsoft.com/internal/obd"/>
+    <ds:schemaRef ds:uri="http://schemas.microsoft.com/sharepoint/v3/contenttype/forms"/>
   </ds:schemaRefs>
 </ds:datastoreItem>
 </file>
@@ -15839,9 +15860,20 @@
 </file>
 
 <file path=customXml/itemProps3.xml><?xml version="1.0" encoding="utf-8"?>
-<ds:datastoreItem xmlns:ds="http://schemas.openxmlformats.org/officeDocument/2006/customXml" ds:itemID="{2B6DE00F-F2BC-4082-AB87-D0D78777DE1E}">
+<ds:datastoreItem xmlns:ds="http://schemas.openxmlformats.org/officeDocument/2006/customXml" ds:itemID="{E6A2223A-9182-462D-922F-5606A5A90760}">
   <ds:schemaRefs>
-    <ds:schemaRef ds:uri="http://schemas.microsoft.com/sharepoint/v3/contenttype/forms"/>
+    <ds:schemaRef ds:uri="http://schemas.microsoft.com/office/2006/metadata/contentType"/>
+    <ds:schemaRef ds:uri="http://schemas.microsoft.com/office/2006/metadata/properties/metaAttributes"/>
+    <ds:schemaRef ds:uri="http://www.w3.org/2001/XMLSchema"/>
+    <ds:schemaRef ds:uri="http://schemas.microsoft.com/office/2006/metadata/properties"/>
+    <ds:schemaRef ds:uri="a4f35948-e619-41b3-aa29-22878b09cfd2"/>
+    <ds:schemaRef ds:uri="40262f94-9f35-4ac3-9a90-690165a166b7"/>
+    <ds:schemaRef ds:uri="http://schemas.microsoft.com/office/2006/documentManagement/types"/>
+    <ds:schemaRef ds:uri="http://schemas.microsoft.com/office/infopath/2007/PartnerControls"/>
+    <ds:schemaRef ds:uri="http://schemas.openxmlformats.org/package/2006/metadata/core-properties"/>
+    <ds:schemaRef ds:uri="http://purl.org/dc/elements/1.1/"/>
+    <ds:schemaRef ds:uri="http://purl.org/dc/terms/"/>
+    <ds:schemaRef ds:uri="http://schemas.microsoft.com/internal/obd"/>
   </ds:schemaRefs>
 </ds:datastoreItem>
 </file>